--- a/slides/Lecture 02-Datatype-operators-expression.pptx
+++ b/slides/Lecture 02-Datatype-operators-expression.pptx
@@ -436,7 +436,7 @@
                 <a:tab algn="l" pos="10058400"/>
               </a:tabLst>
             </a:pPr>
-            <a:fld id="{D5F48D06-BED5-4D2F-A365-01AD5C9E1258}" type="slidenum">
+            <a:fld id="{CE60377F-4786-4C92-A709-ECA41E0EBF72}" type="slidenum">
               <a:rPr b="0" lang="en-US" sz="1200" strike="noStrike" u="none">
                 <a:solidFill>
                   <a:srgbClr val="000000"/>
@@ -527,7 +527,7 @@
                 <a:tab algn="l" pos="10058400"/>
               </a:tabLst>
             </a:pPr>
-            <a:fld id="{3F148ACF-FD91-429D-BAC0-A616F23352BE}" type="slidenum">
+            <a:fld id="{9DB68D9C-21EB-40E9-AA2C-38D9A78527BE}" type="slidenum">
               <a:rPr b="0" lang="en-US" sz="1200" strike="noStrike" u="none">
                 <a:solidFill>
                   <a:srgbClr val="000000"/>
@@ -699,7 +699,7 @@
                 <a:tab algn="l" pos="10058400"/>
               </a:tabLst>
             </a:pPr>
-            <a:fld id="{F2E563A7-9287-4EBC-AB53-6EF70967305E}" type="slidenum">
+            <a:fld id="{36854ABA-614D-490C-8B37-69408AB3A8E8}" type="slidenum">
               <a:rPr b="0" lang="en-US" sz="1200" strike="noStrike" u="none">
                 <a:solidFill>
                   <a:srgbClr val="000000"/>
@@ -871,7 +871,7 @@
                 <a:tab algn="l" pos="10058400"/>
               </a:tabLst>
             </a:pPr>
-            <a:fld id="{565C73FA-BD32-41D7-91D5-02EF34BF976E}" type="slidenum">
+            <a:fld id="{52D3CBA2-C14B-4AD9-BB4A-AA4963B74EA1}" type="slidenum">
               <a:rPr b="0" lang="en-US" sz="1200" strike="noStrike" u="none">
                 <a:solidFill>
                   <a:srgbClr val="000000"/>
@@ -1043,7 +1043,7 @@
                 <a:tab algn="l" pos="10058400"/>
               </a:tabLst>
             </a:pPr>
-            <a:fld id="{C6C85A32-4AEE-46B1-83AB-55F630156DB0}" type="slidenum">
+            <a:fld id="{D982BCC3-6F64-465B-923F-DBC82C5A60F2}" type="slidenum">
               <a:rPr b="0" lang="en-US" sz="1200" strike="noStrike" u="none">
                 <a:solidFill>
                   <a:srgbClr val="000000"/>
@@ -1215,7 +1215,7 @@
                 <a:tab algn="l" pos="10058400"/>
               </a:tabLst>
             </a:pPr>
-            <a:fld id="{5539B470-5347-4F25-AC64-3A2B6DE3870D}" type="slidenum">
+            <a:fld id="{E30676F3-2903-4F97-85E7-4572712309E4}" type="slidenum">
               <a:rPr b="0" lang="en-US" sz="1200" strike="noStrike" u="none">
                 <a:solidFill>
                   <a:srgbClr val="000000"/>
@@ -1387,7 +1387,7 @@
                 <a:tab algn="l" pos="10058400"/>
               </a:tabLst>
             </a:pPr>
-            <a:fld id="{14D74671-6827-4C78-B5D1-8877BF934115}" type="slidenum">
+            <a:fld id="{3AFCA55F-4EAD-4906-9A35-5388000C5270}" type="slidenum">
               <a:rPr b="0" lang="en-US" sz="1200" strike="noStrike" u="none">
                 <a:solidFill>
                   <a:srgbClr val="000000"/>
@@ -1559,7 +1559,7 @@
                 <a:tab algn="l" pos="10058400"/>
               </a:tabLst>
             </a:pPr>
-            <a:fld id="{5ED1C6F5-9A60-4E7D-8987-4C426131BD29}" type="slidenum">
+            <a:fld id="{CC50E645-512D-4D8B-A4A1-FE93899E8634}" type="slidenum">
               <a:rPr b="0" lang="en-US" sz="1200" strike="noStrike" u="none">
                 <a:solidFill>
                   <a:srgbClr val="000000"/>
@@ -1731,7 +1731,7 @@
                 <a:tab algn="l" pos="10058400"/>
               </a:tabLst>
             </a:pPr>
-            <a:fld id="{A37261E5-9C5C-429A-9A35-E47988C84D36}" type="slidenum">
+            <a:fld id="{61540DDC-1CDB-448C-AA81-8281421ED219}" type="slidenum">
               <a:rPr b="0" lang="en-US" sz="1200" strike="noStrike" u="none">
                 <a:solidFill>
                   <a:srgbClr val="000000"/>
@@ -1903,7 +1903,7 @@
                 <a:tab algn="l" pos="10058400"/>
               </a:tabLst>
             </a:pPr>
-            <a:fld id="{B1931C35-6925-4645-BB8C-2A55178F13B9}" type="slidenum">
+            <a:fld id="{15F5BE31-F0DE-4E02-920D-1CE307650594}" type="slidenum">
               <a:rPr b="0" lang="en-US" sz="1200" strike="noStrike" u="none">
                 <a:solidFill>
                   <a:srgbClr val="000000"/>
@@ -2075,7 +2075,7 @@
                 <a:tab algn="l" pos="10058400"/>
               </a:tabLst>
             </a:pPr>
-            <a:fld id="{6EB36109-A09D-449D-A08A-FD6A36D9F51D}" type="slidenum">
+            <a:fld id="{B8C84401-CF42-4E1C-BD92-88DBE3EA162D}" type="slidenum">
               <a:rPr b="0" lang="en-US" sz="1200" strike="noStrike" u="none">
                 <a:solidFill>
                   <a:srgbClr val="000000"/>
@@ -2247,7 +2247,7 @@
                 <a:tab algn="l" pos="10058400"/>
               </a:tabLst>
             </a:pPr>
-            <a:fld id="{3629D509-DDE7-4924-A48E-29A2159D52D6}" type="slidenum">
+            <a:fld id="{78E60DD3-9BF3-4C59-9693-3AD772B0FA75}" type="slidenum">
               <a:rPr b="0" lang="en-US" sz="1200" strike="noStrike" u="none">
                 <a:solidFill>
                   <a:srgbClr val="000000"/>
@@ -2419,7 +2419,7 @@
                 <a:tab algn="l" pos="10058400"/>
               </a:tabLst>
             </a:pPr>
-            <a:fld id="{94A777B4-DE1D-47EB-A6AC-CD0085ABAFE8}" type="slidenum">
+            <a:fld id="{B17876BC-FA8C-41C9-934D-78AFC6F49B02}" type="slidenum">
               <a:rPr b="0" lang="en-US" sz="1200" strike="noStrike" u="none">
                 <a:solidFill>
                   <a:srgbClr val="000000"/>
@@ -2591,7 +2591,7 @@
                 <a:tab algn="l" pos="10058400"/>
               </a:tabLst>
             </a:pPr>
-            <a:fld id="{E977426E-2F7A-45A4-BC8D-1E4EC9291A45}" type="slidenum">
+            <a:fld id="{F1FEDE22-15DA-452D-BB98-C1B3DB4760DE}" type="slidenum">
               <a:rPr b="0" lang="en-US" sz="1200" strike="noStrike" u="none">
                 <a:solidFill>
                   <a:srgbClr val="000000"/>
@@ -2763,7 +2763,7 @@
                 <a:tab algn="l" pos="10058400"/>
               </a:tabLst>
             </a:pPr>
-            <a:fld id="{B7D94229-311A-4CAD-965E-792D6B64BB35}" type="slidenum">
+            <a:fld id="{34F2EB2C-1A3D-424A-9627-76D59B879249}" type="slidenum">
               <a:rPr b="0" lang="en-US" sz="1200" strike="noStrike" u="none">
                 <a:solidFill>
                   <a:srgbClr val="000000"/>
@@ -2935,7 +2935,7 @@
                 <a:tab algn="l" pos="10058400"/>
               </a:tabLst>
             </a:pPr>
-            <a:fld id="{2009DC93-6432-4777-8BD2-838D6F0C65BA}" type="slidenum">
+            <a:fld id="{CC5D8441-5AC3-41EB-964A-CC0D28544138}" type="slidenum">
               <a:rPr b="0" lang="en-US" sz="1200" strike="noStrike" u="none">
                 <a:solidFill>
                   <a:srgbClr val="000000"/>
@@ -3107,7 +3107,7 @@
                 <a:tab algn="l" pos="10058400"/>
               </a:tabLst>
             </a:pPr>
-            <a:fld id="{4B1E12BB-3800-4D7F-8971-1BC9BE7208EF}" type="slidenum">
+            <a:fld id="{CFEDFE33-1412-4108-BE73-621177504252}" type="slidenum">
               <a:rPr b="0" lang="en-US" sz="1200" strike="noStrike" u="none">
                 <a:solidFill>
                   <a:srgbClr val="000000"/>
@@ -3279,7 +3279,7 @@
                 <a:tab algn="l" pos="10058400"/>
               </a:tabLst>
             </a:pPr>
-            <a:fld id="{26FFC189-3ACF-4174-BF54-EE6A68892E12}" type="slidenum">
+            <a:fld id="{B52E47A3-D774-4BB8-AC6D-20E494C0C84D}" type="slidenum">
               <a:rPr b="0" lang="en-US" sz="1200" strike="noStrike" u="none">
                 <a:solidFill>
                   <a:srgbClr val="000000"/>
@@ -3451,7 +3451,7 @@
                 <a:tab algn="l" pos="10058400"/>
               </a:tabLst>
             </a:pPr>
-            <a:fld id="{8F9C7C95-79DF-4E11-B631-1E2FB6C8E55E}" type="slidenum">
+            <a:fld id="{1EB0BB25-F24A-490C-ACF7-7B6F791089F7}" type="slidenum">
               <a:rPr b="0" lang="en-US" sz="1200" strike="noStrike" u="none">
                 <a:solidFill>
                   <a:srgbClr val="000000"/>
@@ -3623,7 +3623,7 @@
                 <a:tab algn="l" pos="10058400"/>
               </a:tabLst>
             </a:pPr>
-            <a:fld id="{1350D5F6-CB3F-4982-AA74-64DF3E651828}" type="slidenum">
+            <a:fld id="{5C690461-8DA1-464E-8E83-0E74AC03E222}" type="slidenum">
               <a:rPr b="0" lang="en-US" sz="1200" strike="noStrike" u="none">
                 <a:solidFill>
                   <a:srgbClr val="000000"/>
@@ -3795,7 +3795,7 @@
                 <a:tab algn="l" pos="10058400"/>
               </a:tabLst>
             </a:pPr>
-            <a:fld id="{5AE4144C-4407-4D16-BFC6-E62E873644D5}" type="slidenum">
+            <a:fld id="{58A7D8CA-5B6C-47B6-BADC-8872EAC653FE}" type="slidenum">
               <a:rPr b="0" lang="en-US" sz="1200" strike="noStrike" u="none">
                 <a:solidFill>
                   <a:srgbClr val="000000"/>
@@ -3967,7 +3967,7 @@
                 <a:tab algn="l" pos="10058400"/>
               </a:tabLst>
             </a:pPr>
-            <a:fld id="{9E105363-9E57-4C4A-9510-0D98ED6AFFF7}" type="slidenum">
+            <a:fld id="{7767B3D1-91DC-4671-862A-BA55A96D5F68}" type="slidenum">
               <a:rPr b="0" lang="en-US" sz="1200" strike="noStrike" u="none">
                 <a:solidFill>
                   <a:srgbClr val="000000"/>
@@ -4139,7 +4139,7 @@
                 <a:tab algn="l" pos="10058400"/>
               </a:tabLst>
             </a:pPr>
-            <a:fld id="{A2D91466-078B-438D-8473-51AA4122D54C}" type="slidenum">
+            <a:fld id="{ACFFCC94-C6C0-4FB3-9403-A8EA1CE2012B}" type="slidenum">
               <a:rPr b="0" lang="en-US" sz="1200" strike="noStrike" u="none">
                 <a:solidFill>
                   <a:srgbClr val="000000"/>
@@ -4311,7 +4311,7 @@
                 <a:tab algn="l" pos="10058400"/>
               </a:tabLst>
             </a:pPr>
-            <a:fld id="{68ECA7F9-66E7-4BA3-BC06-CC00C4CB3F40}" type="slidenum">
+            <a:fld id="{FD623E82-B38B-4991-8D32-1AEC2AA6D56A}" type="slidenum">
               <a:rPr b="0" lang="en-US" sz="1200" strike="noStrike" u="none">
                 <a:solidFill>
                   <a:srgbClr val="000000"/>
@@ -4483,7 +4483,7 @@
                 <a:tab algn="l" pos="10058400"/>
               </a:tabLst>
             </a:pPr>
-            <a:fld id="{1C734BA0-D3E5-4753-A1C8-1C8B333C28E3}" type="slidenum">
+            <a:fld id="{96E2E755-D7CD-4973-9399-DC7F19F0025A}" type="slidenum">
               <a:rPr b="0" lang="en-US" sz="1200" strike="noStrike" u="none">
                 <a:solidFill>
                   <a:srgbClr val="000000"/>
@@ -4655,7 +4655,7 @@
                 <a:tab algn="l" pos="10058400"/>
               </a:tabLst>
             </a:pPr>
-            <a:fld id="{872A7493-B845-4321-8A1D-6D94C069C9B2}" type="slidenum">
+            <a:fld id="{E05699B3-6D29-4815-AE39-E7117EA7753B}" type="slidenum">
               <a:rPr b="0" lang="en-US" sz="1200" strike="noStrike" u="none">
                 <a:solidFill>
                   <a:srgbClr val="000000"/>
@@ -4827,7 +4827,7 @@
                 <a:tab algn="l" pos="10058400"/>
               </a:tabLst>
             </a:pPr>
-            <a:fld id="{737B5116-61EA-4058-81B1-4FEB1E22935B}" type="slidenum">
+            <a:fld id="{11E250E5-288C-43BD-AE25-164EF78A5E9D}" type="slidenum">
               <a:rPr b="0" lang="en-US" sz="1200" strike="noStrike" u="none">
                 <a:solidFill>
                   <a:srgbClr val="000000"/>
@@ -4999,7 +4999,7 @@
                 <a:tab algn="l" pos="10058400"/>
               </a:tabLst>
             </a:pPr>
-            <a:fld id="{617C2DBB-5C2A-4000-941B-0F1297B46876}" type="slidenum">
+            <a:fld id="{06EF05D2-3C33-45CE-8878-6FC9EAD01058}" type="slidenum">
               <a:rPr b="0" lang="en-US" sz="1200" strike="noStrike" u="none">
                 <a:solidFill>
                   <a:srgbClr val="000000"/>
@@ -5171,7 +5171,7 @@
                 <a:tab algn="l" pos="10058400"/>
               </a:tabLst>
             </a:pPr>
-            <a:fld id="{2054A0CA-D757-40E1-B4E9-91D7DE1FA428}" type="slidenum">
+            <a:fld id="{E79900A2-BCC0-4F6D-874E-38730AD0C886}" type="slidenum">
               <a:rPr b="0" lang="en-US" sz="1200" strike="noStrike" u="none">
                 <a:solidFill>
                   <a:srgbClr val="000000"/>
@@ -5918,7 +5918,7 @@
               </a:rPr>
               <a:t>Slide </a:t>
             </a:r>
-            <a:fld id="{67D4AF38-A8E8-45D3-900B-4F892FC5F8D6}" type="slidenum">
+            <a:fld id="{92616618-296C-45E1-9A73-AC0F845E3428}" type="slidenum">
               <a:rPr b="1" lang="en-US" sz="800" strike="noStrike" u="none">
                 <a:solidFill>
                   <a:srgbClr val="ffffff"/>
@@ -7199,7 +7199,7 @@
               </a:rPr>
               <a:t>Slide </a:t>
             </a:r>
-            <a:fld id="{96C02A77-3B11-4D18-A195-FA5B5191BFB6}" type="slidenum">
+            <a:fld id="{27387FB8-72E7-4E70-93BB-A76B67FD0898}" type="slidenum">
               <a:rPr b="1" lang="en-US" sz="800" strike="noStrike" u="none">
                 <a:solidFill>
                   <a:srgbClr val="ffffff"/>
@@ -7971,7 +7971,7 @@
               </a:rPr>
               <a:t>Slide </a:t>
             </a:r>
-            <a:fld id="{2C8066B1-7FAA-46AE-B48F-2F84D98383C7}" type="slidenum">
+            <a:fld id="{4F78BE33-07B3-4DF7-9888-D183E6D788E0}" type="slidenum">
               <a:rPr b="1" lang="en-US" sz="800" strike="noStrike" u="none">
                 <a:solidFill>
                   <a:srgbClr val="ffffff"/>
@@ -8201,7 +8201,7 @@
               </a:rPr>
               <a:t>Slide </a:t>
             </a:r>
-            <a:fld id="{5F5BDCBF-B161-41C8-BB9F-A16A87E747C1}" type="slidenum">
+            <a:fld id="{8C329417-BC7B-4C94-B0BF-9EBB76386F71}" type="slidenum">
               <a:rPr b="1" lang="en-US" sz="800" strike="noStrike" u="none">
                 <a:solidFill>
                   <a:srgbClr val="ffffff"/>
@@ -8761,7 +8761,7 @@
               </a:rPr>
               <a:t>Slide </a:t>
             </a:r>
-            <a:fld id="{4030158B-8896-4A41-BEE1-6AD5CB205704}" type="slidenum">
+            <a:fld id="{428B1E1A-BBEB-4B14-A5D5-A0D74B547400}" type="slidenum">
               <a:rPr b="1" lang="en-US" sz="800" strike="noStrike" u="none">
                 <a:solidFill>
                   <a:srgbClr val="ffffff"/>
@@ -9226,7 +9226,7 @@
               </a:rPr>
               <a:t>Slide </a:t>
             </a:r>
-            <a:fld id="{D23FD950-E313-486F-9589-35E7C89AF7EA}" type="slidenum">
+            <a:fld id="{49D4CA49-2A09-41E5-8C39-A93A0BF89B1C}" type="slidenum">
               <a:rPr b="1" lang="en-US" sz="800" strike="noStrike" u="none">
                 <a:solidFill>
                   <a:srgbClr val="ffffff"/>
@@ -10413,7 +10413,7 @@
               </a:rPr>
               <a:t>Slide </a:t>
             </a:r>
-            <a:fld id="{7614A715-4C1A-4D8C-9450-EFDD136BBA6D}" type="slidenum">
+            <a:fld id="{E8D25D2A-9B67-4AE8-AD45-A1E1E08447A4}" type="slidenum">
               <a:rPr b="1" lang="en-US" sz="800" strike="noStrike" u="none">
                 <a:solidFill>
                   <a:srgbClr val="ffffff"/>
@@ -10941,7 +10941,7 @@
               </a:rPr>
               <a:t>Slide </a:t>
             </a:r>
-            <a:fld id="{5FC48660-812B-4FD8-AC80-4D34B8B7907C}" type="slidenum">
+            <a:fld id="{68A455F0-08C5-483E-8E08-4D24540075F6}" type="slidenum">
               <a:rPr b="1" lang="en-US" sz="800" strike="noStrike" u="none">
                 <a:solidFill>
                   <a:srgbClr val="ffffff"/>
@@ -11544,7 +11544,7 @@
               </a:rPr>
               <a:t>Slide </a:t>
             </a:r>
-            <a:fld id="{8B4811CB-4077-45DC-A227-18E4EC76CCB3}" type="slidenum">
+            <a:fld id="{4A8ED367-2ADE-41BE-8FA7-23901163CB71}" type="slidenum">
               <a:rPr b="1" lang="en-US" sz="800" strike="noStrike" u="none">
                 <a:solidFill>
                   <a:srgbClr val="ffffff"/>
@@ -12233,7 +12233,7 @@
               </a:rPr>
               <a:t>Slide </a:t>
             </a:r>
-            <a:fld id="{51F963EA-37B8-4FB7-A0AC-7FF476FC944C}" type="slidenum">
+            <a:fld id="{D76F398F-C83E-4446-B33D-87383CDC01F1}" type="slidenum">
               <a:rPr b="1" lang="en-US" sz="800" strike="noStrike" u="none">
                 <a:solidFill>
                   <a:srgbClr val="ffffff"/>
@@ -12648,7 +12648,7 @@
               </a:rPr>
               <a:t>Slide </a:t>
             </a:r>
-            <a:fld id="{61FD7DCC-243C-4F35-BA71-E38387C7D459}" type="slidenum">
+            <a:fld id="{DE5142D6-78A1-499D-9A8A-1B28FFFDA1CF}" type="slidenum">
               <a:rPr b="1" lang="en-US" sz="800" strike="noStrike" u="none">
                 <a:solidFill>
                   <a:srgbClr val="ffffff"/>
@@ -13064,7 +13064,7 @@
               </a:rPr>
               <a:t>Slide </a:t>
             </a:r>
-            <a:fld id="{591B4FBD-60E6-4B85-A9B6-C2285AC8FB00}" type="slidenum">
+            <a:fld id="{63C828E4-6BF3-4E1B-AA30-0011AA0C804C}" type="slidenum">
               <a:rPr b="1" lang="en-US" sz="800" strike="noStrike" u="none">
                 <a:solidFill>
                   <a:srgbClr val="ffffff"/>
@@ -13680,7 +13680,7 @@
               </a:rPr>
               <a:t>Slide </a:t>
             </a:r>
-            <a:fld id="{6BBFBBB5-8517-4225-A635-F13F6119BF73}" type="slidenum">
+            <a:fld id="{337DF6AE-32F1-4032-9DE2-23CCA5AF3BFC}" type="slidenum">
               <a:rPr b="1" lang="en-US" sz="800" strike="noStrike" u="none">
                 <a:solidFill>
                   <a:srgbClr val="ffffff"/>
@@ -21586,7 +21586,7 @@
               </a:rPr>
               <a:t>Slide </a:t>
             </a:r>
-            <a:fld id="{66392256-5907-4B14-BB9B-A5E2746ED1DB}" type="slidenum">
+            <a:fld id="{9AF9642C-62E5-4760-BE4F-4A6A81BA9769}" type="slidenum">
               <a:rPr b="1" lang="en-US" sz="800" strike="noStrike" u="none">
                 <a:solidFill>
                   <a:srgbClr val="ffffff"/>
@@ -22179,7 +22179,7 @@
               </a:rPr>
               <a:t>Slide </a:t>
             </a:r>
-            <a:fld id="{1FF6FAF3-B1BA-42CB-9ECC-AF36A0180A86}" type="slidenum">
+            <a:fld id="{E6A13F65-D056-4841-BA39-96830A0E432C}" type="slidenum">
               <a:rPr b="1" lang="en-US" sz="800" strike="noStrike" u="none">
                 <a:solidFill>
                   <a:srgbClr val="ffffff"/>
@@ -22613,7 +22613,7 @@
               </a:rPr>
               <a:t>Slide </a:t>
             </a:r>
-            <a:fld id="{9CED5CCF-78AD-429F-B136-E146A5F6AA36}" type="slidenum">
+            <a:fld id="{CA6905C7-B42E-40EC-B26E-E0BB52576DA5}" type="slidenum">
               <a:rPr b="1" lang="en-US" sz="800" strike="noStrike" u="none">
                 <a:solidFill>
                   <a:srgbClr val="ffffff"/>
@@ -23480,7 +23480,7 @@
               </a:rPr>
               <a:t>Slide </a:t>
             </a:r>
-            <a:fld id="{93E533B3-F2CB-46B7-846D-60038583233E}" type="slidenum">
+            <a:fld id="{94B5F10A-67FE-4F7B-9233-35B48B143491}" type="slidenum">
               <a:rPr b="1" lang="en-US" sz="800" strike="noStrike" u="none">
                 <a:solidFill>
                   <a:srgbClr val="ffffff"/>
@@ -23976,7 +23976,7 @@
               </a:rPr>
               <a:t>Slide </a:t>
             </a:r>
-            <a:fld id="{7727FB0F-69C0-458A-AC0C-A05FED23F4C5}" type="slidenum">
+            <a:fld id="{DE7A8A2A-2061-4FD1-8A64-E08C39023FED}" type="slidenum">
               <a:rPr b="1" lang="en-US" sz="800" strike="noStrike" u="none">
                 <a:solidFill>
                   <a:srgbClr val="ffffff"/>
@@ -24443,7 +24443,7 @@
               </a:rPr>
               <a:t>Slide </a:t>
             </a:r>
-            <a:fld id="{5D2F6D29-43AA-41A6-90AB-47D5B7077CB2}" type="slidenum">
+            <a:fld id="{BB0FAB40-6B15-442D-B06B-89D77DF9D276}" type="slidenum">
               <a:rPr b="1" lang="en-US" sz="800" strike="noStrike" u="none">
                 <a:solidFill>
                   <a:srgbClr val="ffffff"/>
@@ -24930,7 +24930,7 @@
               </a:rPr>
               <a:t>Slide </a:t>
             </a:r>
-            <a:fld id="{9A789F2C-DE05-4859-928B-582004139125}" type="slidenum">
+            <a:fld id="{0378290A-F644-473D-9CDF-5534A72D00A2}" type="slidenum">
               <a:rPr b="1" lang="en-US" sz="800" strike="noStrike" u="none">
                 <a:solidFill>
                   <a:srgbClr val="ffffff"/>
@@ -25784,7 +25784,7 @@
               </a:rPr>
               <a:t>Slide </a:t>
             </a:r>
-            <a:fld id="{9CBA8FDD-F44F-4B39-A69C-A448A62E5EEB}" type="slidenum">
+            <a:fld id="{EA59BA5D-B53C-4DB8-A4A4-5E8CCA365C9B}" type="slidenum">
               <a:rPr b="1" lang="en-US" sz="800" strike="noStrike" u="none">
                 <a:solidFill>
                   <a:srgbClr val="ffffff"/>
@@ -26223,7 +26223,7 @@
               </a:rPr>
               <a:t>Slide </a:t>
             </a:r>
-            <a:fld id="{502529D8-E61D-4F57-8428-48D469221356}" type="slidenum">
+            <a:fld id="{A602CA60-7335-409E-BAD7-680479A5DBD2}" type="slidenum">
               <a:rPr b="1" lang="en-US" sz="800" strike="noStrike" u="none">
                 <a:solidFill>
                   <a:srgbClr val="ffffff"/>
@@ -26479,7 +26479,7 @@
               </a:rPr>
               <a:t>Slide </a:t>
             </a:r>
-            <a:fld id="{D0051E72-6F29-4C39-A5FE-97F78FBC1A93}" type="slidenum">
+            <a:fld id="{8C7D4293-66C2-4F24-8BA2-6FA731A06F19}" type="slidenum">
               <a:rPr b="1" lang="en-US" sz="800" strike="noStrike" u="none">
                 <a:solidFill>
                   <a:srgbClr val="ffffff"/>
@@ -26954,7 +26954,7 @@
               </a:rPr>
               <a:t>Slide </a:t>
             </a:r>
-            <a:fld id="{080169D9-FCF8-41B6-8942-D20FC1A3E48C}" type="slidenum">
+            <a:fld id="{5F783A96-62AF-4CD9-8F61-72D7F33183A3}" type="slidenum">
               <a:rPr b="1" lang="en-US" sz="800" strike="noStrike" u="none">
                 <a:solidFill>
                   <a:srgbClr val="ffffff"/>
@@ -27393,7 +27393,7 @@
               </a:rPr>
               <a:t>Slide </a:t>
             </a:r>
-            <a:fld id="{9AD165FA-DC6A-46E1-A572-A49B3077B13A}" type="slidenum">
+            <a:fld id="{ADBA4621-F1C9-49CD-B9CE-70293AA68EBF}" type="slidenum">
               <a:rPr b="1" lang="en-US" sz="800" strike="noStrike" u="none">
                 <a:solidFill>
                   <a:srgbClr val="ffffff"/>
@@ -28270,7 +28270,7 @@
               </a:rPr>
               <a:t>Slide </a:t>
             </a:r>
-            <a:fld id="{805F282D-D645-4E7C-8B9B-44D907683548}" type="slidenum">
+            <a:fld id="{2E3C6D99-9AEA-45D2-84DA-7D57CEEB739D}" type="slidenum">
               <a:rPr b="1" lang="en-US" sz="800" strike="noStrike" u="none">
                 <a:solidFill>
                   <a:srgbClr val="ffffff"/>
@@ -28921,7 +28921,7 @@
               </a:rPr>
               <a:t>Slide </a:t>
             </a:r>
-            <a:fld id="{8B340E74-0071-4EB2-8DFB-2E5854BF9EDA}" type="slidenum">
+            <a:fld id="{7EBFB859-2F3B-4E79-B03E-E546C9746C6E}" type="slidenum">
               <a:rPr b="1" lang="en-US" sz="800" strike="noStrike" u="none">
                 <a:solidFill>
                   <a:srgbClr val="ffffff"/>
@@ -29652,7 +29652,7 @@
               </a:rPr>
               <a:t>Slide </a:t>
             </a:r>
-            <a:fld id="{90BE0C53-AE29-46FF-B60A-A4C781E2549B}" type="slidenum">
+            <a:fld id="{05FEB975-92D1-4BEC-AD2A-90C96DE0FA1C}" type="slidenum">
               <a:rPr b="1" lang="en-US" sz="800" strike="noStrike" u="none">
                 <a:solidFill>
                   <a:srgbClr val="ffffff"/>
@@ -30149,7 +30149,7 @@
               </a:rPr>
               <a:t>Slide </a:t>
             </a:r>
-            <a:fld id="{9819C409-51BE-4084-B070-C3956F36223D}" type="slidenum">
+            <a:fld id="{844B50CC-8D2B-45DD-8C74-E98EA6F0244E}" type="slidenum">
               <a:rPr b="1" lang="en-US" sz="800" strike="noStrike" u="none">
                 <a:solidFill>
                   <a:srgbClr val="ffffff"/>
@@ -33019,7 +33019,7 @@
               </a:rPr>
               <a:t>Slide </a:t>
             </a:r>
-            <a:fld id="{19A8CB25-9DAB-4A4F-A07E-7D23CE850B53}" type="slidenum">
+            <a:fld id="{CA321B3C-AE15-4820-A6B8-6BB6C208D2CE}" type="slidenum">
               <a:rPr b="1" lang="en-US" sz="800" strike="noStrike" u="none">
                 <a:solidFill>
                   <a:srgbClr val="ffffff"/>

--- a/slides/Lecture 02-Datatype-operators-expression.pptx
+++ b/slides/Lecture 02-Datatype-operators-expression.pptx
@@ -436,7 +436,7 @@
                 <a:tab algn="l" pos="10058400"/>
               </a:tabLst>
             </a:pPr>
-            <a:fld id="{CE60377F-4786-4C92-A709-ECA41E0EBF72}" type="slidenum">
+            <a:fld id="{912772BA-D491-4E7A-BD65-B39C57FE26E7}" type="slidenum">
               <a:rPr b="0" lang="en-US" sz="1200" strike="noStrike" u="none">
                 <a:solidFill>
                   <a:srgbClr val="000000"/>
@@ -527,7 +527,7 @@
                 <a:tab algn="l" pos="10058400"/>
               </a:tabLst>
             </a:pPr>
-            <a:fld id="{9DB68D9C-21EB-40E9-AA2C-38D9A78527BE}" type="slidenum">
+            <a:fld id="{D8C034BC-A030-4005-A9F2-56B7E9F82714}" type="slidenum">
               <a:rPr b="0" lang="en-US" sz="1200" strike="noStrike" u="none">
                 <a:solidFill>
                   <a:srgbClr val="000000"/>
@@ -699,7 +699,7 @@
                 <a:tab algn="l" pos="10058400"/>
               </a:tabLst>
             </a:pPr>
-            <a:fld id="{36854ABA-614D-490C-8B37-69408AB3A8E8}" type="slidenum">
+            <a:fld id="{C1F53965-EFDE-4906-A0B1-8A0F5DB0864D}" type="slidenum">
               <a:rPr b="0" lang="en-US" sz="1200" strike="noStrike" u="none">
                 <a:solidFill>
                   <a:srgbClr val="000000"/>
@@ -871,7 +871,7 @@
                 <a:tab algn="l" pos="10058400"/>
               </a:tabLst>
             </a:pPr>
-            <a:fld id="{52D3CBA2-C14B-4AD9-BB4A-AA4963B74EA1}" type="slidenum">
+            <a:fld id="{1B13AFB7-3C8B-4806-AC00-655BDCF37677}" type="slidenum">
               <a:rPr b="0" lang="en-US" sz="1200" strike="noStrike" u="none">
                 <a:solidFill>
                   <a:srgbClr val="000000"/>
@@ -1043,7 +1043,7 @@
                 <a:tab algn="l" pos="10058400"/>
               </a:tabLst>
             </a:pPr>
-            <a:fld id="{D982BCC3-6F64-465B-923F-DBC82C5A60F2}" type="slidenum">
+            <a:fld id="{A0B72968-6424-4E8F-8027-63B381BD11A4}" type="slidenum">
               <a:rPr b="0" lang="en-US" sz="1200" strike="noStrike" u="none">
                 <a:solidFill>
                   <a:srgbClr val="000000"/>
@@ -1215,7 +1215,7 @@
                 <a:tab algn="l" pos="10058400"/>
               </a:tabLst>
             </a:pPr>
-            <a:fld id="{E30676F3-2903-4F97-85E7-4572712309E4}" type="slidenum">
+            <a:fld id="{B9E05DAA-ABA7-4EE6-81CC-87FE00BA6CE0}" type="slidenum">
               <a:rPr b="0" lang="en-US" sz="1200" strike="noStrike" u="none">
                 <a:solidFill>
                   <a:srgbClr val="000000"/>
@@ -1387,7 +1387,7 @@
                 <a:tab algn="l" pos="10058400"/>
               </a:tabLst>
             </a:pPr>
-            <a:fld id="{3AFCA55F-4EAD-4906-9A35-5388000C5270}" type="slidenum">
+            <a:fld id="{73FA5783-0DBE-4D29-AAE8-9EFBA4C6C3A9}" type="slidenum">
               <a:rPr b="0" lang="en-US" sz="1200" strike="noStrike" u="none">
                 <a:solidFill>
                   <a:srgbClr val="000000"/>
@@ -1559,7 +1559,7 @@
                 <a:tab algn="l" pos="10058400"/>
               </a:tabLst>
             </a:pPr>
-            <a:fld id="{CC50E645-512D-4D8B-A4A1-FE93899E8634}" type="slidenum">
+            <a:fld id="{FC2E2CD9-C19A-41F6-8F40-5C9C7FB7D2DC}" type="slidenum">
               <a:rPr b="0" lang="en-US" sz="1200" strike="noStrike" u="none">
                 <a:solidFill>
                   <a:srgbClr val="000000"/>
@@ -1731,7 +1731,7 @@
                 <a:tab algn="l" pos="10058400"/>
               </a:tabLst>
             </a:pPr>
-            <a:fld id="{61540DDC-1CDB-448C-AA81-8281421ED219}" type="slidenum">
+            <a:fld id="{BC4BB658-5B2F-4D06-BB95-9FA5797230A0}" type="slidenum">
               <a:rPr b="0" lang="en-US" sz="1200" strike="noStrike" u="none">
                 <a:solidFill>
                   <a:srgbClr val="000000"/>
@@ -1903,7 +1903,7 @@
                 <a:tab algn="l" pos="10058400"/>
               </a:tabLst>
             </a:pPr>
-            <a:fld id="{15F5BE31-F0DE-4E02-920D-1CE307650594}" type="slidenum">
+            <a:fld id="{0EC004D2-7C4D-4034-AD70-36A6C46C078F}" type="slidenum">
               <a:rPr b="0" lang="en-US" sz="1200" strike="noStrike" u="none">
                 <a:solidFill>
                   <a:srgbClr val="000000"/>
@@ -2075,7 +2075,7 @@
                 <a:tab algn="l" pos="10058400"/>
               </a:tabLst>
             </a:pPr>
-            <a:fld id="{B8C84401-CF42-4E1C-BD92-88DBE3EA162D}" type="slidenum">
+            <a:fld id="{49D64D88-ED38-49C6-B9AD-1AFFC127490B}" type="slidenum">
               <a:rPr b="0" lang="en-US" sz="1200" strike="noStrike" u="none">
                 <a:solidFill>
                   <a:srgbClr val="000000"/>
@@ -2247,7 +2247,7 @@
                 <a:tab algn="l" pos="10058400"/>
               </a:tabLst>
             </a:pPr>
-            <a:fld id="{78E60DD3-9BF3-4C59-9693-3AD772B0FA75}" type="slidenum">
+            <a:fld id="{29BE89C0-B8D4-4088-93DA-D7DEA2AB013E}" type="slidenum">
               <a:rPr b="0" lang="en-US" sz="1200" strike="noStrike" u="none">
                 <a:solidFill>
                   <a:srgbClr val="000000"/>
@@ -2419,7 +2419,7 @@
                 <a:tab algn="l" pos="10058400"/>
               </a:tabLst>
             </a:pPr>
-            <a:fld id="{B17876BC-FA8C-41C9-934D-78AFC6F49B02}" type="slidenum">
+            <a:fld id="{AB36B5D1-06B1-4491-BAC7-D03D5AF782E5}" type="slidenum">
               <a:rPr b="0" lang="en-US" sz="1200" strike="noStrike" u="none">
                 <a:solidFill>
                   <a:srgbClr val="000000"/>
@@ -2591,7 +2591,7 @@
                 <a:tab algn="l" pos="10058400"/>
               </a:tabLst>
             </a:pPr>
-            <a:fld id="{F1FEDE22-15DA-452D-BB98-C1B3DB4760DE}" type="slidenum">
+            <a:fld id="{3D051CE2-FDEA-4869-A39B-E89A3E5DC647}" type="slidenum">
               <a:rPr b="0" lang="en-US" sz="1200" strike="noStrike" u="none">
                 <a:solidFill>
                   <a:srgbClr val="000000"/>
@@ -2763,7 +2763,7 @@
                 <a:tab algn="l" pos="10058400"/>
               </a:tabLst>
             </a:pPr>
-            <a:fld id="{34F2EB2C-1A3D-424A-9627-76D59B879249}" type="slidenum">
+            <a:fld id="{F7EB6D0B-241F-410A-83F3-60363E4EE32C}" type="slidenum">
               <a:rPr b="0" lang="en-US" sz="1200" strike="noStrike" u="none">
                 <a:solidFill>
                   <a:srgbClr val="000000"/>
@@ -2935,7 +2935,7 @@
                 <a:tab algn="l" pos="10058400"/>
               </a:tabLst>
             </a:pPr>
-            <a:fld id="{CC5D8441-5AC3-41EB-964A-CC0D28544138}" type="slidenum">
+            <a:fld id="{A90EE075-DE69-44D5-8EEE-6879DF80AFF8}" type="slidenum">
               <a:rPr b="0" lang="en-US" sz="1200" strike="noStrike" u="none">
                 <a:solidFill>
                   <a:srgbClr val="000000"/>
@@ -3107,7 +3107,7 @@
                 <a:tab algn="l" pos="10058400"/>
               </a:tabLst>
             </a:pPr>
-            <a:fld id="{CFEDFE33-1412-4108-BE73-621177504252}" type="slidenum">
+            <a:fld id="{B80895AF-177F-4742-B6F2-935F2A7EBF2C}" type="slidenum">
               <a:rPr b="0" lang="en-US" sz="1200" strike="noStrike" u="none">
                 <a:solidFill>
                   <a:srgbClr val="000000"/>
@@ -3279,7 +3279,7 @@
                 <a:tab algn="l" pos="10058400"/>
               </a:tabLst>
             </a:pPr>
-            <a:fld id="{B52E47A3-D774-4BB8-AC6D-20E494C0C84D}" type="slidenum">
+            <a:fld id="{A70BB28A-BC88-4C6C-82EE-D636C2F16F35}" type="slidenum">
               <a:rPr b="0" lang="en-US" sz="1200" strike="noStrike" u="none">
                 <a:solidFill>
                   <a:srgbClr val="000000"/>
@@ -3451,7 +3451,7 @@
                 <a:tab algn="l" pos="10058400"/>
               </a:tabLst>
             </a:pPr>
-            <a:fld id="{1EB0BB25-F24A-490C-ACF7-7B6F791089F7}" type="slidenum">
+            <a:fld id="{5BCEA307-5153-496A-939E-E14BF17DB572}" type="slidenum">
               <a:rPr b="0" lang="en-US" sz="1200" strike="noStrike" u="none">
                 <a:solidFill>
                   <a:srgbClr val="000000"/>
@@ -3623,7 +3623,7 @@
                 <a:tab algn="l" pos="10058400"/>
               </a:tabLst>
             </a:pPr>
-            <a:fld id="{5C690461-8DA1-464E-8E83-0E74AC03E222}" type="slidenum">
+            <a:fld id="{0A9D5F99-D55B-40FB-9039-B910CE6CDF73}" type="slidenum">
               <a:rPr b="0" lang="en-US" sz="1200" strike="noStrike" u="none">
                 <a:solidFill>
                   <a:srgbClr val="000000"/>
@@ -3795,7 +3795,7 @@
                 <a:tab algn="l" pos="10058400"/>
               </a:tabLst>
             </a:pPr>
-            <a:fld id="{58A7D8CA-5B6C-47B6-BADC-8872EAC653FE}" type="slidenum">
+            <a:fld id="{8D9BF5F2-155D-46C2-BB5C-CEEEBD264377}" type="slidenum">
               <a:rPr b="0" lang="en-US" sz="1200" strike="noStrike" u="none">
                 <a:solidFill>
                   <a:srgbClr val="000000"/>
@@ -3967,7 +3967,7 @@
                 <a:tab algn="l" pos="10058400"/>
               </a:tabLst>
             </a:pPr>
-            <a:fld id="{7767B3D1-91DC-4671-862A-BA55A96D5F68}" type="slidenum">
+            <a:fld id="{64C6CA43-AE57-40F2-9144-F255FD567F4C}" type="slidenum">
               <a:rPr b="0" lang="en-US" sz="1200" strike="noStrike" u="none">
                 <a:solidFill>
                   <a:srgbClr val="000000"/>
@@ -4139,7 +4139,7 @@
                 <a:tab algn="l" pos="10058400"/>
               </a:tabLst>
             </a:pPr>
-            <a:fld id="{ACFFCC94-C6C0-4FB3-9403-A8EA1CE2012B}" type="slidenum">
+            <a:fld id="{E19163DB-1F11-4378-9273-62A1F7B376CD}" type="slidenum">
               <a:rPr b="0" lang="en-US" sz="1200" strike="noStrike" u="none">
                 <a:solidFill>
                   <a:srgbClr val="000000"/>
@@ -4311,7 +4311,7 @@
                 <a:tab algn="l" pos="10058400"/>
               </a:tabLst>
             </a:pPr>
-            <a:fld id="{FD623E82-B38B-4991-8D32-1AEC2AA6D56A}" type="slidenum">
+            <a:fld id="{1EF3A01A-27F5-475C-A3B7-300F9ECE08E4}" type="slidenum">
               <a:rPr b="0" lang="en-US" sz="1200" strike="noStrike" u="none">
                 <a:solidFill>
                   <a:srgbClr val="000000"/>
@@ -4483,7 +4483,7 @@
                 <a:tab algn="l" pos="10058400"/>
               </a:tabLst>
             </a:pPr>
-            <a:fld id="{96E2E755-D7CD-4973-9399-DC7F19F0025A}" type="slidenum">
+            <a:fld id="{CAA47792-1515-4AA1-85AD-50C260A496B6}" type="slidenum">
               <a:rPr b="0" lang="en-US" sz="1200" strike="noStrike" u="none">
                 <a:solidFill>
                   <a:srgbClr val="000000"/>
@@ -4655,7 +4655,7 @@
                 <a:tab algn="l" pos="10058400"/>
               </a:tabLst>
             </a:pPr>
-            <a:fld id="{E05699B3-6D29-4815-AE39-E7117EA7753B}" type="slidenum">
+            <a:fld id="{829C6E30-67B8-4E47-B4F0-9C297D47C5D5}" type="slidenum">
               <a:rPr b="0" lang="en-US" sz="1200" strike="noStrike" u="none">
                 <a:solidFill>
                   <a:srgbClr val="000000"/>
@@ -4827,7 +4827,7 @@
                 <a:tab algn="l" pos="10058400"/>
               </a:tabLst>
             </a:pPr>
-            <a:fld id="{11E250E5-288C-43BD-AE25-164EF78A5E9D}" type="slidenum">
+            <a:fld id="{0C1F8CBF-FB67-462D-9067-13DF4CA8A716}" type="slidenum">
               <a:rPr b="0" lang="en-US" sz="1200" strike="noStrike" u="none">
                 <a:solidFill>
                   <a:srgbClr val="000000"/>
@@ -4999,7 +4999,7 @@
                 <a:tab algn="l" pos="10058400"/>
               </a:tabLst>
             </a:pPr>
-            <a:fld id="{06EF05D2-3C33-45CE-8878-6FC9EAD01058}" type="slidenum">
+            <a:fld id="{6B98880D-D076-49F8-A166-D0572A1DD8D6}" type="slidenum">
               <a:rPr b="0" lang="en-US" sz="1200" strike="noStrike" u="none">
                 <a:solidFill>
                   <a:srgbClr val="000000"/>
@@ -5171,7 +5171,7 @@
                 <a:tab algn="l" pos="10058400"/>
               </a:tabLst>
             </a:pPr>
-            <a:fld id="{E79900A2-BCC0-4F6D-874E-38730AD0C886}" type="slidenum">
+            <a:fld id="{CA0C01BE-4F7D-474B-AAA5-A15D7C95A939}" type="slidenum">
               <a:rPr b="0" lang="en-US" sz="1200" strike="noStrike" u="none">
                 <a:solidFill>
                   <a:srgbClr val="000000"/>
@@ -5918,7 +5918,7 @@
               </a:rPr>
               <a:t>Slide </a:t>
             </a:r>
-            <a:fld id="{92616618-296C-45E1-9A73-AC0F845E3428}" type="slidenum">
+            <a:fld id="{8BFD3626-53AD-4587-96E9-BCEFC5F15CDF}" type="slidenum">
               <a:rPr b="1" lang="en-US" sz="800" strike="noStrike" u="none">
                 <a:solidFill>
                   <a:srgbClr val="ffffff"/>
@@ -7199,7 +7199,7 @@
               </a:rPr>
               <a:t>Slide </a:t>
             </a:r>
-            <a:fld id="{27387FB8-72E7-4E70-93BB-A76B67FD0898}" type="slidenum">
+            <a:fld id="{CB3572BF-A56B-4E9B-98AA-808E4590008B}" type="slidenum">
               <a:rPr b="1" lang="en-US" sz="800" strike="noStrike" u="none">
                 <a:solidFill>
                   <a:srgbClr val="ffffff"/>
@@ -7971,7 +7971,7 @@
               </a:rPr>
               <a:t>Slide </a:t>
             </a:r>
-            <a:fld id="{4F78BE33-07B3-4DF7-9888-D183E6D788E0}" type="slidenum">
+            <a:fld id="{C54B3E65-FD2C-4193-A517-DB443831C7DB}" type="slidenum">
               <a:rPr b="1" lang="en-US" sz="800" strike="noStrike" u="none">
                 <a:solidFill>
                   <a:srgbClr val="ffffff"/>
@@ -8201,7 +8201,7 @@
               </a:rPr>
               <a:t>Slide </a:t>
             </a:r>
-            <a:fld id="{8C329417-BC7B-4C94-B0BF-9EBB76386F71}" type="slidenum">
+            <a:fld id="{A0745929-556A-4E23-AF1D-2E7812D5B059}" type="slidenum">
               <a:rPr b="1" lang="en-US" sz="800" strike="noStrike" u="none">
                 <a:solidFill>
                   <a:srgbClr val="ffffff"/>
@@ -8761,7 +8761,7 @@
               </a:rPr>
               <a:t>Slide </a:t>
             </a:r>
-            <a:fld id="{428B1E1A-BBEB-4B14-A5D5-A0D74B547400}" type="slidenum">
+            <a:fld id="{B664E3E9-4890-48EE-8C6D-7B22AFDEC92F}" type="slidenum">
               <a:rPr b="1" lang="en-US" sz="800" strike="noStrike" u="none">
                 <a:solidFill>
                   <a:srgbClr val="ffffff"/>
@@ -9226,7 +9226,7 @@
               </a:rPr>
               <a:t>Slide </a:t>
             </a:r>
-            <a:fld id="{49D4CA49-2A09-41E5-8C39-A93A0BF89B1C}" type="slidenum">
+            <a:fld id="{CB40D13C-E5E6-4149-9CC4-99C8D6734E8F}" type="slidenum">
               <a:rPr b="1" lang="en-US" sz="800" strike="noStrike" u="none">
                 <a:solidFill>
                   <a:srgbClr val="ffffff"/>
@@ -10413,7 +10413,7 @@
               </a:rPr>
               <a:t>Slide </a:t>
             </a:r>
-            <a:fld id="{E8D25D2A-9B67-4AE8-AD45-A1E1E08447A4}" type="slidenum">
+            <a:fld id="{BBC994AC-5989-4CB2-95AA-624A36E62DB8}" type="slidenum">
               <a:rPr b="1" lang="en-US" sz="800" strike="noStrike" u="none">
                 <a:solidFill>
                   <a:srgbClr val="ffffff"/>
@@ -10941,7 +10941,7 @@
               </a:rPr>
               <a:t>Slide </a:t>
             </a:r>
-            <a:fld id="{68A455F0-08C5-483E-8E08-4D24540075F6}" type="slidenum">
+            <a:fld id="{66ECB484-4403-4F43-BC62-8AF343AA8F56}" type="slidenum">
               <a:rPr b="1" lang="en-US" sz="800" strike="noStrike" u="none">
                 <a:solidFill>
                   <a:srgbClr val="ffffff"/>
@@ -11544,7 +11544,7 @@
               </a:rPr>
               <a:t>Slide </a:t>
             </a:r>
-            <a:fld id="{4A8ED367-2ADE-41BE-8FA7-23901163CB71}" type="slidenum">
+            <a:fld id="{70735881-3A7D-490E-8AE4-CD3BCC184BE0}" type="slidenum">
               <a:rPr b="1" lang="en-US" sz="800" strike="noStrike" u="none">
                 <a:solidFill>
                   <a:srgbClr val="ffffff"/>
@@ -12233,7 +12233,7 @@
               </a:rPr>
               <a:t>Slide </a:t>
             </a:r>
-            <a:fld id="{D76F398F-C83E-4446-B33D-87383CDC01F1}" type="slidenum">
+            <a:fld id="{39CF4836-0B69-4EBC-BF46-079A2E224609}" type="slidenum">
               <a:rPr b="1" lang="en-US" sz="800" strike="noStrike" u="none">
                 <a:solidFill>
                   <a:srgbClr val="ffffff"/>
@@ -12648,7 +12648,7 @@
               </a:rPr>
               <a:t>Slide </a:t>
             </a:r>
-            <a:fld id="{DE5142D6-78A1-499D-9A8A-1B28FFFDA1CF}" type="slidenum">
+            <a:fld id="{CD53E07E-9A83-44AA-BD51-D1D157F02158}" type="slidenum">
               <a:rPr b="1" lang="en-US" sz="800" strike="noStrike" u="none">
                 <a:solidFill>
                   <a:srgbClr val="ffffff"/>
@@ -13064,7 +13064,7 @@
               </a:rPr>
               <a:t>Slide </a:t>
             </a:r>
-            <a:fld id="{63C828E4-6BF3-4E1B-AA30-0011AA0C804C}" type="slidenum">
+            <a:fld id="{A5BEADC0-9F25-40DF-9562-B3508B29B620}" type="slidenum">
               <a:rPr b="1" lang="en-US" sz="800" strike="noStrike" u="none">
                 <a:solidFill>
                   <a:srgbClr val="ffffff"/>
@@ -13680,7 +13680,7 @@
               </a:rPr>
               <a:t>Slide </a:t>
             </a:r>
-            <a:fld id="{337DF6AE-32F1-4032-9DE2-23CCA5AF3BFC}" type="slidenum">
+            <a:fld id="{F9C6AB45-9B06-4F49-A566-1BEBFC87277E}" type="slidenum">
               <a:rPr b="1" lang="en-US" sz="800" strike="noStrike" u="none">
                 <a:solidFill>
                   <a:srgbClr val="ffffff"/>
@@ -21586,7 +21586,7 @@
               </a:rPr>
               <a:t>Slide </a:t>
             </a:r>
-            <a:fld id="{9AF9642C-62E5-4760-BE4F-4A6A81BA9769}" type="slidenum">
+            <a:fld id="{2C460576-30FB-4D79-A0D8-C82E2B1D8C2D}" type="slidenum">
               <a:rPr b="1" lang="en-US" sz="800" strike="noStrike" u="none">
                 <a:solidFill>
                   <a:srgbClr val="ffffff"/>
@@ -22179,7 +22179,7 @@
               </a:rPr>
               <a:t>Slide </a:t>
             </a:r>
-            <a:fld id="{E6A13F65-D056-4841-BA39-96830A0E432C}" type="slidenum">
+            <a:fld id="{EF972971-0559-486E-9A7F-0D497DAAA94D}" type="slidenum">
               <a:rPr b="1" lang="en-US" sz="800" strike="noStrike" u="none">
                 <a:solidFill>
                   <a:srgbClr val="ffffff"/>
@@ -22613,7 +22613,7 @@
               </a:rPr>
               <a:t>Slide </a:t>
             </a:r>
-            <a:fld id="{CA6905C7-B42E-40EC-B26E-E0BB52576DA5}" type="slidenum">
+            <a:fld id="{BCA6205A-4F8C-45B9-8135-2CCC4047FA93}" type="slidenum">
               <a:rPr b="1" lang="en-US" sz="800" strike="noStrike" u="none">
                 <a:solidFill>
                   <a:srgbClr val="ffffff"/>
@@ -23480,7 +23480,7 @@
               </a:rPr>
               <a:t>Slide </a:t>
             </a:r>
-            <a:fld id="{94B5F10A-67FE-4F7B-9233-35B48B143491}" type="slidenum">
+            <a:fld id="{1E66EE53-62DD-499A-92A4-38E02FF96037}" type="slidenum">
               <a:rPr b="1" lang="en-US" sz="800" strike="noStrike" u="none">
                 <a:solidFill>
                   <a:srgbClr val="ffffff"/>
@@ -23976,7 +23976,7 @@
               </a:rPr>
               <a:t>Slide </a:t>
             </a:r>
-            <a:fld id="{DE7A8A2A-2061-4FD1-8A64-E08C39023FED}" type="slidenum">
+            <a:fld id="{288BA7E6-3C44-4EEB-9372-C5C171CD2626}" type="slidenum">
               <a:rPr b="1" lang="en-US" sz="800" strike="noStrike" u="none">
                 <a:solidFill>
                   <a:srgbClr val="ffffff"/>
@@ -24443,7 +24443,7 @@
               </a:rPr>
               <a:t>Slide </a:t>
             </a:r>
-            <a:fld id="{BB0FAB40-6B15-442D-B06B-89D77DF9D276}" type="slidenum">
+            <a:fld id="{6F393172-AA6C-4CC7-910B-6F539FE9DC76}" type="slidenum">
               <a:rPr b="1" lang="en-US" sz="800" strike="noStrike" u="none">
                 <a:solidFill>
                   <a:srgbClr val="ffffff"/>
@@ -24930,7 +24930,7 @@
               </a:rPr>
               <a:t>Slide </a:t>
             </a:r>
-            <a:fld id="{0378290A-F644-473D-9CDF-5534A72D00A2}" type="slidenum">
+            <a:fld id="{1356C5CB-C8E5-493E-A19F-F519C59BDADB}" type="slidenum">
               <a:rPr b="1" lang="en-US" sz="800" strike="noStrike" u="none">
                 <a:solidFill>
                   <a:srgbClr val="ffffff"/>
@@ -25784,7 +25784,7 @@
               </a:rPr>
               <a:t>Slide </a:t>
             </a:r>
-            <a:fld id="{EA59BA5D-B53C-4DB8-A4A4-5E8CCA365C9B}" type="slidenum">
+            <a:fld id="{C74BD958-E40C-4753-B9C0-7DB66F0A36AF}" type="slidenum">
               <a:rPr b="1" lang="en-US" sz="800" strike="noStrike" u="none">
                 <a:solidFill>
                   <a:srgbClr val="ffffff"/>
@@ -26223,7 +26223,7 @@
               </a:rPr>
               <a:t>Slide </a:t>
             </a:r>
-            <a:fld id="{A602CA60-7335-409E-BAD7-680479A5DBD2}" type="slidenum">
+            <a:fld id="{F7DC7780-0084-4FE0-8A6E-094CDF422991}" type="slidenum">
               <a:rPr b="1" lang="en-US" sz="800" strike="noStrike" u="none">
                 <a:solidFill>
                   <a:srgbClr val="ffffff"/>
@@ -26479,7 +26479,7 @@
               </a:rPr>
               <a:t>Slide </a:t>
             </a:r>
-            <a:fld id="{8C7D4293-66C2-4F24-8BA2-6FA731A06F19}" type="slidenum">
+            <a:fld id="{6E637028-A8C8-4E1B-9C96-21627E90EFB2}" type="slidenum">
               <a:rPr b="1" lang="en-US" sz="800" strike="noStrike" u="none">
                 <a:solidFill>
                   <a:srgbClr val="ffffff"/>
@@ -26954,7 +26954,7 @@
               </a:rPr>
               <a:t>Slide </a:t>
             </a:r>
-            <a:fld id="{5F783A96-62AF-4CD9-8F61-72D7F33183A3}" type="slidenum">
+            <a:fld id="{7AABB688-8A95-4597-95C8-8F1D71336207}" type="slidenum">
               <a:rPr b="1" lang="en-US" sz="800" strike="noStrike" u="none">
                 <a:solidFill>
                   <a:srgbClr val="ffffff"/>
@@ -27393,7 +27393,7 @@
               </a:rPr>
               <a:t>Slide </a:t>
             </a:r>
-            <a:fld id="{ADBA4621-F1C9-49CD-B9CE-70293AA68EBF}" type="slidenum">
+            <a:fld id="{164604EA-FAFA-4F98-9ECA-6CBF991DAD0B}" type="slidenum">
               <a:rPr b="1" lang="en-US" sz="800" strike="noStrike" u="none">
                 <a:solidFill>
                   <a:srgbClr val="ffffff"/>
@@ -28270,7 +28270,7 @@
               </a:rPr>
               <a:t>Slide </a:t>
             </a:r>
-            <a:fld id="{2E3C6D99-9AEA-45D2-84DA-7D57CEEB739D}" type="slidenum">
+            <a:fld id="{92787BF1-E2DA-4CC5-BD66-BC168D32519D}" type="slidenum">
               <a:rPr b="1" lang="en-US" sz="800" strike="noStrike" u="none">
                 <a:solidFill>
                   <a:srgbClr val="ffffff"/>
@@ -28921,7 +28921,7 @@
               </a:rPr>
               <a:t>Slide </a:t>
             </a:r>
-            <a:fld id="{7EBFB859-2F3B-4E79-B03E-E546C9746C6E}" type="slidenum">
+            <a:fld id="{7E7B00A4-4D34-4CD2-B364-1746B480B281}" type="slidenum">
               <a:rPr b="1" lang="en-US" sz="800" strike="noStrike" u="none">
                 <a:solidFill>
                   <a:srgbClr val="ffffff"/>
@@ -29652,7 +29652,7 @@
               </a:rPr>
               <a:t>Slide </a:t>
             </a:r>
-            <a:fld id="{05FEB975-92D1-4BEC-AD2A-90C96DE0FA1C}" type="slidenum">
+            <a:fld id="{7A79EFF9-C75E-4C53-B62C-0B539B1B64D8}" type="slidenum">
               <a:rPr b="1" lang="en-US" sz="800" strike="noStrike" u="none">
                 <a:solidFill>
                   <a:srgbClr val="ffffff"/>
@@ -30149,7 +30149,7 @@
               </a:rPr>
               <a:t>Slide </a:t>
             </a:r>
-            <a:fld id="{844B50CC-8D2B-45DD-8C74-E98EA6F0244E}" type="slidenum">
+            <a:fld id="{ACD908C5-ECC8-4FD1-8EE1-42B021B5ED30}" type="slidenum">
               <a:rPr b="1" lang="en-US" sz="800" strike="noStrike" u="none">
                 <a:solidFill>
                   <a:srgbClr val="ffffff"/>
@@ -33019,7 +33019,7 @@
               </a:rPr>
               <a:t>Slide </a:t>
             </a:r>
-            <a:fld id="{CA321B3C-AE15-4820-A6B8-6BB6C208D2CE}" type="slidenum">
+            <a:fld id="{B4D42BFF-A74B-4488-8BEE-8DE56C9F57AE}" type="slidenum">
               <a:rPr b="1" lang="en-US" sz="800" strike="noStrike" u="none">
                 <a:solidFill>
                   <a:srgbClr val="ffffff"/>
